--- a/study2/study2_results_summary.pptx
+++ b/study2/study2_results_summary.pptx
@@ -34,7 +34,6 @@
     <p:sldId id="270" r:id="rId28"/>
     <p:sldId id="272" r:id="rId29"/>
     <p:sldId id="273" r:id="rId30"/>
-    <p:sldId id="274" r:id="rId31"/>
   </p:sldIdLst>
   <p:sldSz cx="12192000" cy="6858000"/>
   <p:notesSz cx="6858000" cy="9144000"/>
@@ -144,7 +143,7 @@
 <file path=ppt/revisionInfo.xml><?xml version="1.0" encoding="utf-8"?>
 <p1510:revInfo xmlns:a="http://schemas.openxmlformats.org/drawingml/2006/main" xmlns:r="http://schemas.openxmlformats.org/officeDocument/2006/relationships" xmlns:p1510="http://schemas.microsoft.com/office/powerpoint/2015/10/main">
   <p1510:revLst>
-    <p1510:client id="{3301C2C4-2964-45D6-9FE6-754D7BC29807}" v="49" dt="2024-09-02T09:13:08.842"/>
+    <p1510:client id="{3301C2C4-2964-45D6-9FE6-754D7BC29807}" v="50" dt="2024-09-02T10:38:03.807"/>
   </p1510:revLst>
 </p1510:revInfo>
 </file>
@@ -154,7 +153,7 @@
   <pc:docChgLst>
     <pc:chgData name="Michael Pan" userId="0ee21308d1ee2822" providerId="LiveId" clId="{3301C2C4-2964-45D6-9FE6-754D7BC29807}"/>
     <pc:docChg chg="undo custSel addSld delSld modSld sldOrd">
-      <pc:chgData name="Michael Pan" userId="0ee21308d1ee2822" providerId="LiveId" clId="{3301C2C4-2964-45D6-9FE6-754D7BC29807}" dt="2024-09-02T09:13:42.605" v="3695" actId="1076"/>
+      <pc:chgData name="Michael Pan" userId="0ee21308d1ee2822" providerId="LiveId" clId="{3301C2C4-2964-45D6-9FE6-754D7BC29807}" dt="2024-09-02T10:47:43.786" v="4069" actId="20577"/>
       <pc:docMkLst>
         <pc:docMk/>
       </pc:docMkLst>
@@ -696,7 +695,7 @@
         </pc:spChg>
       </pc:sldChg>
       <pc:sldChg chg="modSp add mod">
-        <pc:chgData name="Michael Pan" userId="0ee21308d1ee2822" providerId="LiveId" clId="{3301C2C4-2964-45D6-9FE6-754D7BC29807}" dt="2024-09-02T08:53:28.097" v="2881" actId="20577"/>
+        <pc:chgData name="Michael Pan" userId="0ee21308d1ee2822" providerId="LiveId" clId="{3301C2C4-2964-45D6-9FE6-754D7BC29807}" dt="2024-09-02T10:47:43.786" v="4069" actId="20577"/>
         <pc:sldMkLst>
           <pc:docMk/>
           <pc:sldMk cId="359723823" sldId="270"/>
@@ -710,7 +709,7 @@
           </ac:spMkLst>
         </pc:spChg>
         <pc:spChg chg="mod">
-          <ac:chgData name="Michael Pan" userId="0ee21308d1ee2822" providerId="LiveId" clId="{3301C2C4-2964-45D6-9FE6-754D7BC29807}" dt="2024-09-02T08:53:28.097" v="2881" actId="20577"/>
+          <ac:chgData name="Michael Pan" userId="0ee21308d1ee2822" providerId="LiveId" clId="{3301C2C4-2964-45D6-9FE6-754D7BC29807}" dt="2024-09-02T10:47:43.786" v="4069" actId="20577"/>
           <ac:spMkLst>
             <pc:docMk/>
             <pc:sldMk cId="359723823" sldId="270"/>
@@ -726,7 +725,7 @@
         </pc:sldMkLst>
       </pc:sldChg>
       <pc:sldChg chg="addSp delSp modSp add mod">
-        <pc:chgData name="Michael Pan" userId="0ee21308d1ee2822" providerId="LiveId" clId="{3301C2C4-2964-45D6-9FE6-754D7BC29807}" dt="2024-09-02T08:49:29.782" v="2810"/>
+        <pc:chgData name="Michael Pan" userId="0ee21308d1ee2822" providerId="LiveId" clId="{3301C2C4-2964-45D6-9FE6-754D7BC29807}" dt="2024-09-02T10:38:09.896" v="3774" actId="1076"/>
         <pc:sldMkLst>
           <pc:docMk/>
           <pc:sldMk cId="3273710441" sldId="272"/>
@@ -756,7 +755,15 @@
           </ac:spMkLst>
         </pc:spChg>
         <pc:picChg chg="add mod">
-          <ac:chgData name="Michael Pan" userId="0ee21308d1ee2822" providerId="LiveId" clId="{3301C2C4-2964-45D6-9FE6-754D7BC29807}" dt="2024-09-02T08:47:19.454" v="2729" actId="1076"/>
+          <ac:chgData name="Michael Pan" userId="0ee21308d1ee2822" providerId="LiveId" clId="{3301C2C4-2964-45D6-9FE6-754D7BC29807}" dt="2024-09-02T10:38:09.896" v="3774" actId="1076"/>
+          <ac:picMkLst>
+            <pc:docMk/>
+            <pc:sldMk cId="3273710441" sldId="272"/>
+            <ac:picMk id="3" creationId="{933AE574-CB5E-0002-BC35-E9CA598A601C}"/>
+          </ac:picMkLst>
+        </pc:picChg>
+        <pc:picChg chg="add del mod">
+          <ac:chgData name="Michael Pan" userId="0ee21308d1ee2822" providerId="LiveId" clId="{3301C2C4-2964-45D6-9FE6-754D7BC29807}" dt="2024-09-02T10:37:57.340" v="3769" actId="478"/>
           <ac:picMkLst>
             <pc:docMk/>
             <pc:sldMk cId="3273710441" sldId="272"/>
@@ -765,7 +772,7 @@
         </pc:picChg>
       </pc:sldChg>
       <pc:sldChg chg="addSp delSp modSp add mod">
-        <pc:chgData name="Michael Pan" userId="0ee21308d1ee2822" providerId="LiveId" clId="{3301C2C4-2964-45D6-9FE6-754D7BC29807}" dt="2024-09-02T08:48:40.748" v="2795" actId="1076"/>
+        <pc:chgData name="Michael Pan" userId="0ee21308d1ee2822" providerId="LiveId" clId="{3301C2C4-2964-45D6-9FE6-754D7BC29807}" dt="2024-09-02T10:38:56.612" v="3784" actId="1076"/>
         <pc:sldMkLst>
           <pc:docMk/>
           <pc:sldMk cId="1694476331" sldId="273"/>
@@ -795,15 +802,31 @@
           </ac:spMkLst>
         </pc:spChg>
         <pc:picChg chg="add mod">
-          <ac:chgData name="Michael Pan" userId="0ee21308d1ee2822" providerId="LiveId" clId="{3301C2C4-2964-45D6-9FE6-754D7BC29807}" dt="2024-09-02T08:48:38.563" v="2794" actId="1076"/>
+          <ac:chgData name="Michael Pan" userId="0ee21308d1ee2822" providerId="LiveId" clId="{3301C2C4-2964-45D6-9FE6-754D7BC29807}" dt="2024-09-02T10:38:42.540" v="3780" actId="14100"/>
+          <ac:picMkLst>
+            <pc:docMk/>
+            <pc:sldMk cId="1694476331" sldId="273"/>
+            <ac:picMk id="4" creationId="{E42F39FC-6B7E-2E09-7AEB-C7CCDFE3BA78}"/>
+          </ac:picMkLst>
+        </pc:picChg>
+        <pc:picChg chg="add mod">
+          <ac:chgData name="Michael Pan" userId="0ee21308d1ee2822" providerId="LiveId" clId="{3301C2C4-2964-45D6-9FE6-754D7BC29807}" dt="2024-09-02T10:38:56.612" v="3784" actId="1076"/>
+          <ac:picMkLst>
+            <pc:docMk/>
+            <pc:sldMk cId="1694476331" sldId="273"/>
+            <ac:picMk id="6" creationId="{1BA7D3DC-1D0E-2D09-E19B-5917E257E115}"/>
+          </ac:picMkLst>
+        </pc:picChg>
+        <pc:picChg chg="add del mod">
+          <ac:chgData name="Michael Pan" userId="0ee21308d1ee2822" providerId="LiveId" clId="{3301C2C4-2964-45D6-9FE6-754D7BC29807}" dt="2024-09-02T10:38:25.333" v="3775" actId="478"/>
           <ac:picMkLst>
             <pc:docMk/>
             <pc:sldMk cId="1694476331" sldId="273"/>
             <ac:picMk id="7" creationId="{B6EFB755-F5B8-5D6E-BF9D-03244EE1DAE3}"/>
           </ac:picMkLst>
         </pc:picChg>
-        <pc:picChg chg="add mod">
-          <ac:chgData name="Michael Pan" userId="0ee21308d1ee2822" providerId="LiveId" clId="{3301C2C4-2964-45D6-9FE6-754D7BC29807}" dt="2024-09-02T08:48:40.748" v="2795" actId="1076"/>
+        <pc:picChg chg="add del mod">
+          <ac:chgData name="Michael Pan" userId="0ee21308d1ee2822" providerId="LiveId" clId="{3301C2C4-2964-45D6-9FE6-754D7BC29807}" dt="2024-09-02T10:38:25.333" v="3775" actId="478"/>
           <ac:picMkLst>
             <pc:docMk/>
             <pc:sldMk cId="1694476331" sldId="273"/>
@@ -811,8 +834,8 @@
           </ac:picMkLst>
         </pc:picChg>
       </pc:sldChg>
-      <pc:sldChg chg="modSp add mod ord">
-        <pc:chgData name="Michael Pan" userId="0ee21308d1ee2822" providerId="LiveId" clId="{3301C2C4-2964-45D6-9FE6-754D7BC29807}" dt="2024-09-02T08:58:02.637" v="3369" actId="20577"/>
+      <pc:sldChg chg="modSp add del mod ord">
+        <pc:chgData name="Michael Pan" userId="0ee21308d1ee2822" providerId="LiveId" clId="{3301C2C4-2964-45D6-9FE6-754D7BC29807}" dt="2024-09-02T10:39:02.997" v="3785" actId="47"/>
         <pc:sldMkLst>
           <pc:docMk/>
           <pc:sldMk cId="834269286" sldId="274"/>
@@ -7081,23 +7104,7 @@
             </a:r>
             <a:r>
               <a:rPr lang="en-AU" dirty="0"/>
-              <a:t>) = time(</a:t>
-            </a:r>
-            <a:r>
-              <a:rPr lang="en-AU" dirty="0" err="1"/>
-              <a:t>no_viz</a:t>
-            </a:r>
-            <a:r>
-              <a:rPr lang="en-AU" dirty="0"/>
-              <a:t>) – time(viz) [a positive number is therefore expected if we hypothesize that viz results in quicker task completion than </a:t>
-            </a:r>
-            <a:r>
-              <a:rPr lang="en-AU" dirty="0" err="1"/>
-              <a:t>no_viz</a:t>
-            </a:r>
-            <a:r>
-              <a:rPr lang="en-AU" dirty="0"/>
-              <a:t>]</a:t>
+              <a:t>) = time(cond1) – time(cond2) [positive number is expected if we hypothesize that Ps learn between block 1 and block 2] = “reduction in movement time cond1 -&gt; cond2)</a:t>
             </a:r>
           </a:p>
           <a:p>
@@ -7112,6 +7119,20 @@
             <a:r>
               <a:rPr lang="en-AU" dirty="0"/>
               <a:t>)</a:t>
+            </a:r>
+          </a:p>
+          <a:p>
+            <a:r>
+              <a:rPr lang="en-AU" dirty="0"/>
+              <a:t>1 outlier removed (from </a:t>
+            </a:r>
+            <a:r>
+              <a:rPr lang="en-AU" dirty="0" err="1"/>
+              <a:t>viz_first</a:t>
+            </a:r>
+            <a:r>
+              <a:rPr lang="en-AU" dirty="0"/>
+              <a:t> condition) out of 24 datapoints. </a:t>
             </a:r>
           </a:p>
         </p:txBody>
@@ -7176,10 +7197,10 @@
       </p:sp>
       <p:pic>
         <p:nvPicPr>
-          <p:cNvPr id="6" name="Picture 5">
-            <a:extLst>
-              <a:ext uri="{FF2B5EF4-FFF2-40B4-BE49-F238E27FC236}">
-                <a16:creationId xmlns:a16="http://schemas.microsoft.com/office/drawing/2014/main" id="{ED137D52-12BB-A828-A397-4E92ABB15098}"/>
+          <p:cNvPr id="3" name="Picture 2">
+            <a:extLst>
+              <a:ext uri="{FF2B5EF4-FFF2-40B4-BE49-F238E27FC236}">
+                <a16:creationId xmlns:a16="http://schemas.microsoft.com/office/drawing/2014/main" id="{933AE574-CB5E-0002-BC35-E9CA598A601C}"/>
               </a:ext>
             </a:extLst>
           </p:cNvPr>
@@ -7196,8 +7217,8 @@
         </p:blipFill>
         <p:spPr>
           <a:xfrm>
-            <a:off x="2383917" y="1581285"/>
-            <a:ext cx="7424166" cy="4581771"/>
+            <a:off x="2447925" y="1690688"/>
+            <a:ext cx="7296150" cy="4502767"/>
           </a:xfrm>
           <a:prstGeom prst="rect">
             <a:avLst/>
@@ -7264,10 +7285,10 @@
       </p:sp>
       <p:pic>
         <p:nvPicPr>
-          <p:cNvPr id="7" name="Picture 6">
-            <a:extLst>
-              <a:ext uri="{FF2B5EF4-FFF2-40B4-BE49-F238E27FC236}">
-                <a16:creationId xmlns:a16="http://schemas.microsoft.com/office/drawing/2014/main" id="{B6EFB755-F5B8-5D6E-BF9D-03244EE1DAE3}"/>
+          <p:cNvPr id="4" name="Picture 3">
+            <a:extLst>
+              <a:ext uri="{FF2B5EF4-FFF2-40B4-BE49-F238E27FC236}">
+                <a16:creationId xmlns:a16="http://schemas.microsoft.com/office/drawing/2014/main" id="{E42F39FC-6B7E-2E09-7AEB-C7CCDFE3BA78}"/>
               </a:ext>
             </a:extLst>
           </p:cNvPr>
@@ -7284,8 +7305,8 @@
         </p:blipFill>
         <p:spPr>
           <a:xfrm>
-            <a:off x="527091" y="2439532"/>
-            <a:ext cx="11137818" cy="638786"/>
+            <a:off x="338372" y="2505456"/>
+            <a:ext cx="11420812" cy="678379"/>
           </a:xfrm>
           <a:prstGeom prst="rect">
             <a:avLst/>
@@ -7294,10 +7315,10 @@
       </p:pic>
       <p:pic>
         <p:nvPicPr>
-          <p:cNvPr id="9" name="Picture 8">
-            <a:extLst>
-              <a:ext uri="{FF2B5EF4-FFF2-40B4-BE49-F238E27FC236}">
-                <a16:creationId xmlns:a16="http://schemas.microsoft.com/office/drawing/2014/main" id="{A1C4A324-A0B6-3975-6055-A259EA576609}"/>
+          <p:cNvPr id="6" name="Picture 5">
+            <a:extLst>
+              <a:ext uri="{FF2B5EF4-FFF2-40B4-BE49-F238E27FC236}">
+                <a16:creationId xmlns:a16="http://schemas.microsoft.com/office/drawing/2014/main" id="{1BA7D3DC-1D0E-2D09-E19B-5917E257E115}"/>
               </a:ext>
             </a:extLst>
           </p:cNvPr>
@@ -7314,8 +7335,8 @@
         </p:blipFill>
         <p:spPr>
           <a:xfrm>
-            <a:off x="599907" y="3779683"/>
-            <a:ext cx="10610638" cy="550998"/>
+            <a:off x="752360" y="4069081"/>
+            <a:ext cx="10687280" cy="548270"/>
           </a:xfrm>
           <a:prstGeom prst="rect">
             <a:avLst/>
@@ -7414,114 +7435,6 @@
     <p:extLst>
       <p:ext uri="{BB962C8B-B14F-4D97-AF65-F5344CB8AC3E}">
         <p14:creationId xmlns:p14="http://schemas.microsoft.com/office/powerpoint/2010/main" val="428881007"/>
-      </p:ext>
-    </p:extLst>
-  </p:cSld>
-  <p:clrMapOvr>
-    <a:masterClrMapping/>
-  </p:clrMapOvr>
-</p:sld>
-</file>
-
-<file path=ppt/slides/slide30.xml><?xml version="1.0" encoding="utf-8"?>
-<p:sld xmlns:a="http://schemas.openxmlformats.org/drawingml/2006/main" xmlns:r="http://schemas.openxmlformats.org/officeDocument/2006/relationships" xmlns:p="http://schemas.openxmlformats.org/presentationml/2006/main">
-  <p:cSld>
-    <p:spTree>
-      <p:nvGrpSpPr>
-        <p:cNvPr id="1" name=""/>
-        <p:cNvGrpSpPr/>
-        <p:nvPr/>
-      </p:nvGrpSpPr>
-      <p:grpSpPr>
-        <a:xfrm>
-          <a:off x="0" y="0"/>
-          <a:ext cx="0" cy="0"/>
-          <a:chOff x="0" y="0"/>
-          <a:chExt cx="0" cy="0"/>
-        </a:xfrm>
-      </p:grpSpPr>
-      <p:sp>
-        <p:nvSpPr>
-          <p:cNvPr id="2" name="Title 1">
-            <a:extLst>
-              <a:ext uri="{FF2B5EF4-FFF2-40B4-BE49-F238E27FC236}">
-                <a16:creationId xmlns:a16="http://schemas.microsoft.com/office/drawing/2014/main" id="{0B85CC1A-8FED-3DC6-A2AB-FD3C1DA2F69F}"/>
-              </a:ext>
-            </a:extLst>
-          </p:cNvPr>
-          <p:cNvSpPr>
-            <a:spLocks noGrp="1"/>
-          </p:cNvSpPr>
-          <p:nvPr>
-            <p:ph type="title"/>
-          </p:nvPr>
-        </p:nvSpPr>
-        <p:spPr/>
-        <p:txBody>
-          <a:bodyPr/>
-          <a:lstStyle/>
-          <a:p>
-            <a:r>
-              <a:rPr lang="en-AU" dirty="0"/>
-              <a:t>5. Learning: Summary</a:t>
-            </a:r>
-          </a:p>
-        </p:txBody>
-      </p:sp>
-      <p:sp>
-        <p:nvSpPr>
-          <p:cNvPr id="3" name="Content Placeholder 2">
-            <a:extLst>
-              <a:ext uri="{FF2B5EF4-FFF2-40B4-BE49-F238E27FC236}">
-                <a16:creationId xmlns:a16="http://schemas.microsoft.com/office/drawing/2014/main" id="{A2F8CC48-EF5B-8668-4C32-7ECA81ECF967}"/>
-              </a:ext>
-            </a:extLst>
-          </p:cNvPr>
-          <p:cNvSpPr>
-            <a:spLocks noGrp="1"/>
-          </p:cNvSpPr>
-          <p:nvPr>
-            <p:ph idx="1"/>
-          </p:nvPr>
-        </p:nvSpPr>
-        <p:spPr/>
-        <p:txBody>
-          <a:bodyPr/>
-          <a:lstStyle/>
-          <a:p>
-            <a:r>
-              <a:rPr lang="en-AU" dirty="0"/>
-              <a:t>When shown viz first, movement time remained roughly the same (even decreased) when shown </a:t>
-            </a:r>
-            <a:r>
-              <a:rPr lang="en-AU" dirty="0" err="1"/>
-              <a:t>no_viz</a:t>
-            </a:r>
-            <a:r>
-              <a:rPr lang="en-AU" dirty="0"/>
-              <a:t> after</a:t>
-            </a:r>
-          </a:p>
-          <a:p>
-            <a:r>
-              <a:rPr lang="en-AU" dirty="0"/>
-              <a:t>When shown </a:t>
-            </a:r>
-            <a:r>
-              <a:rPr lang="en-AU" dirty="0" err="1"/>
-              <a:t>no_viz</a:t>
-            </a:r>
-            <a:r>
-              <a:rPr lang="en-AU" dirty="0"/>
-              <a:t> first, and then viz after, movement time decreased  </a:t>
-            </a:r>
-          </a:p>
-        </p:txBody>
-      </p:sp>
-    </p:spTree>
-    <p:extLst>
-      <p:ext uri="{BB962C8B-B14F-4D97-AF65-F5344CB8AC3E}">
-        <p14:creationId xmlns:p14="http://schemas.microsoft.com/office/powerpoint/2010/main" val="834269286"/>
       </p:ext>
     </p:extLst>
   </p:cSld>
